--- a/docs/diagrams/ModelComponentClassBetterOopDiagram.pptx
+++ b/docs/diagrams/ModelComponentClassBetterOopDiagram.pptx
@@ -1,6 +1,6 @@
 
 <file path=ppt/presentation.xml><?xml version="1.0" encoding="utf-8"?>
-<p:presentation xmlns:a="http://schemas.openxmlformats.org/drawingml/2006/main" xmlns:r="http://schemas.openxmlformats.org/officeDocument/2006/relationships" xmlns:p="http://schemas.openxmlformats.org/presentationml/2006/main" saveSubsetFonts="1">
+<p:presentation xmlns:a="http://schemas.openxmlformats.org/drawingml/2006/main" xmlns:r="http://schemas.openxmlformats.org/officeDocument/2006/relationships" xmlns:p="http://schemas.openxmlformats.org/presentationml/2006/main" removePersonalInfoOnSave="1" saveSubsetFonts="1">
   <p:sldMasterIdLst>
     <p:sldMasterId id="2147483648" r:id="rId1"/>
   </p:sldMasterIdLst>
@@ -208,7 +208,7 @@
           <a:p>
             <a:fld id="{F5CC4B3F-88C1-4FFA-B1B6-F41C21DC6924}" type="datetimeFigureOut">
               <a:rPr lang="en-US" smtClean="0"/>
-              <a:t>6/27/2018</a:t>
+              <a:t>12/5/2018</a:t>
             </a:fld>
             <a:endParaRPr lang="en-US"/>
           </a:p>
@@ -654,7 +654,7 @@
           <a:p>
             <a:fld id="{78C97017-6FC3-485B-9764-EAC9E56C1D49}" type="datetimeFigureOut">
               <a:rPr lang="en-US" smtClean="0"/>
-              <a:t>6/27/2018</a:t>
+              <a:t>12/5/2018</a:t>
             </a:fld>
             <a:endParaRPr lang="en-US"/>
           </a:p>
@@ -822,7 +822,7 @@
           <a:p>
             <a:fld id="{78C97017-6FC3-485B-9764-EAC9E56C1D49}" type="datetimeFigureOut">
               <a:rPr lang="en-US" smtClean="0"/>
-              <a:t>6/27/2018</a:t>
+              <a:t>12/5/2018</a:t>
             </a:fld>
             <a:endParaRPr lang="en-US"/>
           </a:p>
@@ -1000,7 +1000,7 @@
           <a:p>
             <a:fld id="{78C97017-6FC3-485B-9764-EAC9E56C1D49}" type="datetimeFigureOut">
               <a:rPr lang="en-US" smtClean="0"/>
-              <a:t>6/27/2018</a:t>
+              <a:t>12/5/2018</a:t>
             </a:fld>
             <a:endParaRPr lang="en-US"/>
           </a:p>
@@ -1168,7 +1168,7 @@
           <a:p>
             <a:fld id="{78C97017-6FC3-485B-9764-EAC9E56C1D49}" type="datetimeFigureOut">
               <a:rPr lang="en-US" smtClean="0"/>
-              <a:t>6/27/2018</a:t>
+              <a:t>12/5/2018</a:t>
             </a:fld>
             <a:endParaRPr lang="en-US"/>
           </a:p>
@@ -1413,7 +1413,7 @@
           <a:p>
             <a:fld id="{78C97017-6FC3-485B-9764-EAC9E56C1D49}" type="datetimeFigureOut">
               <a:rPr lang="en-US" smtClean="0"/>
-              <a:t>6/27/2018</a:t>
+              <a:t>12/5/2018</a:t>
             </a:fld>
             <a:endParaRPr lang="en-US"/>
           </a:p>
@@ -1698,7 +1698,7 @@
           <a:p>
             <a:fld id="{78C97017-6FC3-485B-9764-EAC9E56C1D49}" type="datetimeFigureOut">
               <a:rPr lang="en-US" smtClean="0"/>
-              <a:t>6/27/2018</a:t>
+              <a:t>12/5/2018</a:t>
             </a:fld>
             <a:endParaRPr lang="en-US"/>
           </a:p>
@@ -2117,7 +2117,7 @@
           <a:p>
             <a:fld id="{78C97017-6FC3-485B-9764-EAC9E56C1D49}" type="datetimeFigureOut">
               <a:rPr lang="en-US" smtClean="0"/>
-              <a:t>6/27/2018</a:t>
+              <a:t>12/5/2018</a:t>
             </a:fld>
             <a:endParaRPr lang="en-US"/>
           </a:p>
@@ -2234,7 +2234,7 @@
           <a:p>
             <a:fld id="{78C97017-6FC3-485B-9764-EAC9E56C1D49}" type="datetimeFigureOut">
               <a:rPr lang="en-US" smtClean="0"/>
-              <a:t>6/27/2018</a:t>
+              <a:t>12/5/2018</a:t>
             </a:fld>
             <a:endParaRPr lang="en-US"/>
           </a:p>
@@ -2329,7 +2329,7 @@
           <a:p>
             <a:fld id="{78C97017-6FC3-485B-9764-EAC9E56C1D49}" type="datetimeFigureOut">
               <a:rPr lang="en-US" smtClean="0"/>
-              <a:t>6/27/2018</a:t>
+              <a:t>12/5/2018</a:t>
             </a:fld>
             <a:endParaRPr lang="en-US"/>
           </a:p>
@@ -2604,7 +2604,7 @@
           <a:p>
             <a:fld id="{78C97017-6FC3-485B-9764-EAC9E56C1D49}" type="datetimeFigureOut">
               <a:rPr lang="en-US" smtClean="0"/>
-              <a:t>6/27/2018</a:t>
+              <a:t>12/5/2018</a:t>
             </a:fld>
             <a:endParaRPr lang="en-US"/>
           </a:p>
@@ -2856,7 +2856,7 @@
           <a:p>
             <a:fld id="{78C97017-6FC3-485B-9764-EAC9E56C1D49}" type="datetimeFigureOut">
               <a:rPr lang="en-US" smtClean="0"/>
-              <a:t>6/27/2018</a:t>
+              <a:t>12/5/2018</a:t>
             </a:fld>
             <a:endParaRPr lang="en-US"/>
           </a:p>
@@ -3067,7 +3067,7 @@
           <a:p>
             <a:fld id="{78C97017-6FC3-485B-9764-EAC9E56C1D49}" type="datetimeFigureOut">
               <a:rPr lang="en-US" smtClean="0"/>
-              <a:t>6/27/2018</a:t>
+              <a:t>12/5/2018</a:t>
             </a:fld>
             <a:endParaRPr lang="en-US"/>
           </a:p>
@@ -3444,58 +3444,53 @@
       </p:grpSpPr>
       <p:sp>
         <p:nvSpPr>
-          <p:cNvPr id="118" name="Rectangle 65"/>
+          <p:cNvPr id="46" name="Rectangle 8"/>
           <p:cNvSpPr/>
           <p:nvPr/>
         </p:nvSpPr>
         <p:spPr>
           <a:xfrm>
-            <a:off x="1119865" y="1676400"/>
-            <a:ext cx="7490735" cy="3059747"/>
-          </a:xfrm>
-          <a:prstGeom prst="roundRect">
-            <a:avLst>
-              <a:gd name="adj" fmla="val 3484"/>
-            </a:avLst>
+            <a:off x="1754912" y="3324621"/>
+            <a:ext cx="1447688" cy="346760"/>
+          </a:xfrm>
+          <a:prstGeom prst="rect">
+            <a:avLst/>
           </a:prstGeom>
-          <a:solidFill>
-            <a:schemeClr val="accent4">
-              <a:lumMod val="20000"/>
-              <a:lumOff val="80000"/>
-            </a:schemeClr>
-          </a:solidFill>
           <a:ln w="19050">
-            <a:noFill/>
+            <a:solidFill>
+              <a:srgbClr val="7030A0"/>
+            </a:solidFill>
           </a:ln>
           <a:effectLst/>
         </p:spPr>
         <p:style>
           <a:lnRef idx="1">
-            <a:schemeClr val="accent2"/>
+            <a:schemeClr val="accent4"/>
           </a:lnRef>
           <a:fillRef idx="2">
-            <a:schemeClr val="accent2"/>
+            <a:schemeClr val="accent4"/>
           </a:fillRef>
           <a:effectRef idx="1">
-            <a:schemeClr val="accent2"/>
+            <a:schemeClr val="accent4"/>
           </a:effectRef>
           <a:fontRef idx="minor">
             <a:schemeClr val="dk1"/>
           </a:fontRef>
         </p:style>
         <p:txBody>
-          <a:bodyPr rtlCol="0" anchor="t"/>
-          <a:lstStyle/>
-          <a:p>
-            <a:r>
-              <a:rPr lang="en-US" sz="1200" b="1" dirty="0">
+          <a:bodyPr rtlCol="0" anchor="ctr"/>
+          <a:lstStyle/>
+          <a:p>
+            <a:pPr algn="ctr"/>
+            <a:r>
+              <a:rPr lang="en-US" sz="1050" dirty="0" err="1">
                 <a:solidFill>
                   <a:srgbClr val="7030A0"/>
                 </a:solidFill>
               </a:rPr>
-              <a:t>Model</a:t>
-            </a:r>
-            <a:endParaRPr lang="en-SG" sz="1200" b="1" dirty="0">
+              <a:t>VersionedAddressBook</a:t>
+            </a:r>
+            <a:endParaRPr lang="en-SG" sz="1050" dirty="0">
               <a:solidFill>
                 <a:srgbClr val="7030A0"/>
               </a:solidFill>
@@ -3505,16 +3500,72 @@
       </p:sp>
       <p:sp>
         <p:nvSpPr>
-          <p:cNvPr id="2" name="Rectangle 8"/>
+          <p:cNvPr id="49" name="Rectangle 8"/>
           <p:cNvSpPr/>
           <p:nvPr/>
         </p:nvSpPr>
         <p:spPr>
           <a:xfrm>
-            <a:off x="2877180" y="3463240"/>
-            <a:ext cx="1093635" cy="346760"/>
+            <a:off x="3730715" y="3353144"/>
+            <a:ext cx="1156969" cy="346760"/>
           </a:xfrm>
           <a:prstGeom prst="rect">
+            <a:avLst/>
+          </a:prstGeom>
+          <a:ln w="19050">
+            <a:solidFill>
+              <a:srgbClr val="7030A0"/>
+            </a:solidFill>
+          </a:ln>
+          <a:effectLst/>
+        </p:spPr>
+        <p:style>
+          <a:lnRef idx="1">
+            <a:schemeClr val="accent4"/>
+          </a:lnRef>
+          <a:fillRef idx="2">
+            <a:schemeClr val="accent4"/>
+          </a:fillRef>
+          <a:effectRef idx="1">
+            <a:schemeClr val="accent4"/>
+          </a:effectRef>
+          <a:fontRef idx="minor">
+            <a:schemeClr val="dk1"/>
+          </a:fontRef>
+        </p:style>
+        <p:txBody>
+          <a:bodyPr rtlCol="0" anchor="ctr"/>
+          <a:lstStyle/>
+          <a:p>
+            <a:pPr algn="ctr"/>
+            <a:r>
+              <a:rPr lang="en-US" sz="1050" dirty="0" err="1">
+                <a:solidFill>
+                  <a:srgbClr val="7030A0"/>
+                </a:solidFill>
+              </a:rPr>
+              <a:t>UniquePersonList</a:t>
+            </a:r>
+            <a:endParaRPr lang="en-SG" sz="1050" dirty="0">
+              <a:solidFill>
+                <a:srgbClr val="7030A0"/>
+              </a:solidFill>
+            </a:endParaRPr>
+          </a:p>
+        </p:txBody>
+      </p:sp>
+      <p:sp>
+        <p:nvSpPr>
+          <p:cNvPr id="51" name="Flowchart: Decision 96"/>
+          <p:cNvSpPr/>
+          <p:nvPr/>
+        </p:nvSpPr>
+        <p:spPr>
+          <a:xfrm>
+            <a:off x="3201752" y="3437911"/>
+            <a:ext cx="236048" cy="173380"/>
+          </a:xfrm>
+          <a:prstGeom prst="flowChartDecision">
             <a:avLst/>
           </a:prstGeom>
           <a:solidFill>
@@ -3529,13 +3580,13 @@
         </p:spPr>
         <p:style>
           <a:lnRef idx="1">
-            <a:schemeClr val="accent2"/>
+            <a:schemeClr val="accent6"/>
           </a:lnRef>
           <a:fillRef idx="2">
-            <a:schemeClr val="accent2"/>
+            <a:schemeClr val="accent6"/>
           </a:fillRef>
           <a:effectRef idx="1">
-            <a:schemeClr val="accent2"/>
+            <a:schemeClr val="accent6"/>
           </a:effectRef>
           <a:fontRef idx="minor">
             <a:schemeClr val="dk1"/>
@@ -3546,104 +3597,31 @@
           <a:lstStyle/>
           <a:p>
             <a:pPr algn="ctr"/>
-            <a:r>
-              <a:rPr lang="en-US" sz="1050" dirty="0" err="1">
-                <a:solidFill>
-                  <a:schemeClr val="bg1"/>
-                </a:solidFill>
-              </a:rPr>
-              <a:t>UserPref</a:t>
-            </a:r>
-            <a:endParaRPr lang="en-SG" sz="1050" dirty="0">
-              <a:solidFill>
-                <a:schemeClr val="bg1"/>
-              </a:solidFill>
-            </a:endParaRPr>
-          </a:p>
-        </p:txBody>
-      </p:sp>
-      <p:sp>
-        <p:nvSpPr>
-          <p:cNvPr id="9" name="Rectangle 62"/>
-          <p:cNvSpPr/>
-          <p:nvPr/>
-        </p:nvSpPr>
-        <p:spPr>
-          <a:xfrm rot="16200000">
-            <a:off x="1661548" y="3097750"/>
-            <a:ext cx="1093635" cy="346760"/>
-          </a:xfrm>
-          <a:prstGeom prst="rect">
-            <a:avLst/>
-          </a:prstGeom>
-          <a:solidFill>
-            <a:srgbClr val="7030A0"/>
-          </a:solidFill>
-          <a:ln w="19050">
-            <a:solidFill>
-              <a:srgbClr val="7030A0"/>
-            </a:solidFill>
-          </a:ln>
-          <a:effectLst/>
-        </p:spPr>
-        <p:style>
-          <a:lnRef idx="1">
-            <a:schemeClr val="accent2"/>
-          </a:lnRef>
-          <a:fillRef idx="2">
-            <a:schemeClr val="accent2"/>
-          </a:fillRef>
-          <a:effectRef idx="1">
-            <a:schemeClr val="accent2"/>
-          </a:effectRef>
-          <a:fontRef idx="minor">
-            <a:schemeClr val="dk1"/>
-          </a:fontRef>
-        </p:style>
-        <p:txBody>
-          <a:bodyPr rtlCol="0" anchor="ctr"/>
-          <a:lstStyle/>
-          <a:p>
-            <a:pPr algn="ctr"/>
-            <a:r>
-              <a:rPr lang="en-US" sz="1050" dirty="0" err="1">
-                <a:solidFill>
-                  <a:schemeClr val="bg1"/>
-                </a:solidFill>
-              </a:rPr>
-              <a:t>ModelManager</a:t>
-            </a:r>
-            <a:endParaRPr lang="en-SG" sz="1050" dirty="0">
-              <a:solidFill>
-                <a:schemeClr val="bg1"/>
-              </a:solidFill>
-            </a:endParaRPr>
+            <a:endParaRPr lang="en-US" sz="1050"/>
           </a:p>
         </p:txBody>
       </p:sp>
       <p:cxnSp>
         <p:nvCxnSpPr>
-          <p:cNvPr id="107" name="Elbow Connector 106"/>
+          <p:cNvPr id="30" name="Elbow Connector 29"/>
           <p:cNvCxnSpPr>
-            <a:cxnSpLocks/>
+            <a:stCxn id="51" idx="3"/>
+            <a:endCxn id="49" idx="1"/>
           </p:cNvCxnSpPr>
           <p:nvPr/>
         </p:nvCxnSpPr>
         <p:spPr>
-          <a:xfrm rot="5400000" flipH="1" flipV="1">
-            <a:off x="4155901" y="1308943"/>
-            <a:ext cx="613122" cy="4459404"/>
+          <a:xfrm>
+            <a:off x="3437800" y="3524601"/>
+            <a:ext cx="292915" cy="1923"/>
           </a:xfrm>
           <a:prstGeom prst="bentConnector3">
-            <a:avLst>
-              <a:gd name="adj1" fmla="val -26668"/>
-            </a:avLst>
+            <a:avLst/>
           </a:prstGeom>
           <a:ln w="19050">
             <a:solidFill>
               <a:srgbClr val="7030A0"/>
             </a:solidFill>
-            <a:prstDash val="solid"/>
             <a:headEnd type="none" w="med" len="med"/>
             <a:tailEnd type="arrow" w="med" len="med"/>
           </a:ln>
@@ -3666,21 +3644,18 @@
       </p:cxnSp>
       <p:sp>
         <p:nvSpPr>
-          <p:cNvPr id="119" name="Rectangle 62"/>
+          <p:cNvPr id="62" name="Rectangle 8"/>
           <p:cNvSpPr/>
           <p:nvPr/>
         </p:nvSpPr>
         <p:spPr>
-          <a:xfrm rot="16200000">
-            <a:off x="956202" y="2861202"/>
-            <a:ext cx="1093635" cy="346760"/>
+          <a:xfrm>
+            <a:off x="5282183" y="3347776"/>
+            <a:ext cx="708186" cy="346760"/>
           </a:xfrm>
           <a:prstGeom prst="rect">
             <a:avLst/>
           </a:prstGeom>
-          <a:solidFill>
-            <a:srgbClr val="7030A0"/>
-          </a:solidFill>
           <a:ln w="19050">
             <a:solidFill>
               <a:srgbClr val="7030A0"/>
@@ -3690,13 +3665,13 @@
         </p:spPr>
         <p:style>
           <a:lnRef idx="1">
-            <a:schemeClr val="accent2"/>
+            <a:schemeClr val="accent4"/>
           </a:lnRef>
           <a:fillRef idx="2">
-            <a:schemeClr val="accent2"/>
+            <a:schemeClr val="accent4"/>
           </a:fillRef>
           <a:effectRef idx="1">
-            <a:schemeClr val="accent2"/>
+            <a:schemeClr val="accent4"/>
           </a:effectRef>
           <a:fontRef idx="minor">
             <a:schemeClr val="dk1"/>
@@ -3710,25 +3685,14 @@
             <a:r>
               <a:rPr lang="en-US" sz="1050" dirty="0">
                 <a:solidFill>
-                  <a:schemeClr val="bg1"/>
+                  <a:srgbClr val="7030A0"/>
                 </a:solidFill>
               </a:rPr>
-              <a:t>&lt;&lt;interface&gt;&gt;</a:t>
-            </a:r>
-          </a:p>
-          <a:p>
-            <a:pPr algn="ctr"/>
-            <a:r>
-              <a:rPr lang="en-US" sz="1050" dirty="0">
-                <a:solidFill>
-                  <a:schemeClr val="bg1"/>
-                </a:solidFill>
-              </a:rPr>
-              <a:t>Model</a:t>
+              <a:t>Person</a:t>
             </a:r>
             <a:endParaRPr lang="en-SG" sz="1050" dirty="0">
               <a:solidFill>
-                <a:schemeClr val="bg1"/>
+                <a:srgbClr val="7030A0"/>
               </a:solidFill>
             </a:endParaRPr>
           </a:p>
@@ -3736,21 +3700,19 @@
       </p:sp>
       <p:sp>
         <p:nvSpPr>
-          <p:cNvPr id="120" name="Isosceles Triangle 102"/>
+          <p:cNvPr id="63" name="Flowchart: Decision 96"/>
           <p:cNvSpPr/>
           <p:nvPr/>
         </p:nvSpPr>
         <p:spPr>
-          <a:xfrm rot="16200000">
-            <a:off x="1626910" y="2952291"/>
-            <a:ext cx="270504" cy="175523"/>
-          </a:xfrm>
-          <a:prstGeom prst="triangle">
+          <a:xfrm>
+            <a:off x="4886966" y="3430775"/>
+            <a:ext cx="236048" cy="173380"/>
+          </a:xfrm>
+          <a:prstGeom prst="flowChartDecision">
             <a:avLst/>
           </a:prstGeom>
-          <a:solidFill>
-            <a:srgbClr val="7030A0"/>
-          </a:solidFill>
+          <a:noFill/>
           <a:ln w="19050">
             <a:solidFill>
               <a:srgbClr val="7030A0"/>
@@ -3777,25 +3739,26 @@
           <a:lstStyle/>
           <a:p>
             <a:pPr algn="ctr"/>
-            <a:endParaRPr lang="en-SG" sz="1050"/>
+            <a:endParaRPr lang="en-US" sz="1050"/>
           </a:p>
         </p:txBody>
       </p:sp>
       <p:cxnSp>
         <p:nvCxnSpPr>
-          <p:cNvPr id="58" name="Straight Arrow Connector 57"/>
+          <p:cNvPr id="64" name="Elbow Connector 63"/>
           <p:cNvCxnSpPr>
-            <a:stCxn id="42" idx="3"/>
-            <a:endCxn id="2" idx="1"/>
+            <a:cxnSpLocks/>
+            <a:stCxn id="63" idx="3"/>
+            <a:endCxn id="62" idx="1"/>
           </p:cNvCxnSpPr>
           <p:nvPr/>
         </p:nvCxnSpPr>
         <p:spPr>
           <a:xfrm>
-            <a:off x="2609828" y="3636620"/>
-            <a:ext cx="267352" cy="0"/>
-          </a:xfrm>
-          <a:prstGeom prst="straightConnector1">
+            <a:off x="5123014" y="3517465"/>
+            <a:ext cx="159169" cy="3691"/>
+          </a:xfrm>
+          <a:prstGeom prst="bentConnector3">
             <a:avLst/>
           </a:prstGeom>
           <a:ln w="19050">
@@ -3822,29 +3785,129 @@
           </a:fontRef>
         </p:style>
       </p:cxnSp>
-      <p:cxnSp>
-        <p:nvCxnSpPr>
-          <p:cNvPr id="75" name="Elbow Connector 122"/>
-          <p:cNvCxnSpPr/>
+      <p:sp>
+        <p:nvSpPr>
+          <p:cNvPr id="76" name="Rectangle 8"/>
+          <p:cNvSpPr/>
           <p:nvPr/>
-        </p:nvCxnSpPr>
+        </p:nvSpPr>
         <p:spPr>
           <a:xfrm>
-            <a:off x="910091" y="3040053"/>
-            <a:ext cx="419548" cy="2860"/>
-          </a:xfrm>
-          <a:prstGeom prst="bentConnector3">
-            <a:avLst>
-              <a:gd name="adj1" fmla="val 50000"/>
-            </a:avLst>
+            <a:off x="6680903" y="3053948"/>
+            <a:ext cx="708186" cy="285783"/>
+          </a:xfrm>
+          <a:prstGeom prst="rect">
+            <a:avLst/>
           </a:prstGeom>
           <a:ln w="19050">
             <a:solidFill>
-              <a:schemeClr val="bg1">
-                <a:lumMod val="75000"/>
-              </a:schemeClr>
+              <a:srgbClr val="7030A0"/>
             </a:solidFill>
-            <a:prstDash val="sysDot"/>
+          </a:ln>
+          <a:effectLst/>
+        </p:spPr>
+        <p:style>
+          <a:lnRef idx="1">
+            <a:schemeClr val="accent4"/>
+          </a:lnRef>
+          <a:fillRef idx="2">
+            <a:schemeClr val="accent4"/>
+          </a:fillRef>
+          <a:effectRef idx="1">
+            <a:schemeClr val="accent4"/>
+          </a:effectRef>
+          <a:fontRef idx="minor">
+            <a:schemeClr val="dk1"/>
+          </a:fontRef>
+        </p:style>
+        <p:txBody>
+          <a:bodyPr rtlCol="0" anchor="ctr"/>
+          <a:lstStyle/>
+          <a:p>
+            <a:pPr algn="ctr"/>
+            <a:r>
+              <a:rPr lang="en-US" sz="1050" dirty="0">
+                <a:solidFill>
+                  <a:srgbClr val="7030A0"/>
+                </a:solidFill>
+              </a:rPr>
+              <a:t>Name</a:t>
+            </a:r>
+            <a:endParaRPr lang="en-SG" sz="1050" dirty="0">
+              <a:solidFill>
+                <a:srgbClr val="7030A0"/>
+              </a:solidFill>
+            </a:endParaRPr>
+          </a:p>
+        </p:txBody>
+      </p:sp>
+      <p:sp>
+        <p:nvSpPr>
+          <p:cNvPr id="78" name="Flowchart: Decision 96"/>
+          <p:cNvSpPr/>
+          <p:nvPr/>
+        </p:nvSpPr>
+        <p:spPr>
+          <a:xfrm>
+            <a:off x="6010453" y="3437911"/>
+            <a:ext cx="236048" cy="173380"/>
+          </a:xfrm>
+          <a:prstGeom prst="flowChartDecision">
+            <a:avLst/>
+          </a:prstGeom>
+          <a:solidFill>
+            <a:srgbClr val="7030A0"/>
+          </a:solidFill>
+          <a:ln w="19050">
+            <a:solidFill>
+              <a:srgbClr val="7030A0"/>
+            </a:solidFill>
+          </a:ln>
+          <a:effectLst/>
+        </p:spPr>
+        <p:style>
+          <a:lnRef idx="1">
+            <a:schemeClr val="accent6"/>
+          </a:lnRef>
+          <a:fillRef idx="2">
+            <a:schemeClr val="accent6"/>
+          </a:fillRef>
+          <a:effectRef idx="1">
+            <a:schemeClr val="accent6"/>
+          </a:effectRef>
+          <a:fontRef idx="minor">
+            <a:schemeClr val="dk1"/>
+          </a:fontRef>
+        </p:style>
+        <p:txBody>
+          <a:bodyPr rtlCol="0" anchor="ctr"/>
+          <a:lstStyle/>
+          <a:p>
+            <a:pPr algn="ctr"/>
+            <a:endParaRPr lang="en-US" sz="1050"/>
+          </a:p>
+        </p:txBody>
+      </p:sp>
+      <p:cxnSp>
+        <p:nvCxnSpPr>
+          <p:cNvPr id="79" name="Elbow Connector 78"/>
+          <p:cNvCxnSpPr>
+            <a:cxnSpLocks/>
+          </p:cNvCxnSpPr>
+          <p:nvPr/>
+        </p:nvCxnSpPr>
+        <p:spPr>
+          <a:xfrm flipV="1">
+            <a:off x="6246501" y="3196531"/>
+            <a:ext cx="434402" cy="327761"/>
+          </a:xfrm>
+          <a:prstGeom prst="bentConnector3">
+            <a:avLst/>
+          </a:prstGeom>
+          <a:ln w="19050">
+            <a:solidFill>
+              <a:srgbClr val="7030A0"/>
+            </a:solidFill>
             <a:headEnd type="none" w="med" len="med"/>
             <a:tailEnd type="arrow" w="med" len="med"/>
           </a:ln>
@@ -3865,29 +3928,85 @@
           </a:fontRef>
         </p:style>
       </p:cxnSp>
-      <p:cxnSp>
-        <p:nvCxnSpPr>
-          <p:cNvPr id="21" name="Straight Connector 20"/>
-          <p:cNvCxnSpPr>
-            <a:stCxn id="120" idx="3"/>
-          </p:cNvCxnSpPr>
+      <p:sp>
+        <p:nvSpPr>
+          <p:cNvPr id="80" name="Rectangle 8"/>
+          <p:cNvSpPr/>
           <p:nvPr/>
-        </p:nvCxnSpPr>
-        <p:spPr>
-          <a:xfrm flipV="1">
-            <a:off x="1849924" y="3040052"/>
-            <a:ext cx="216105" cy="1"/>
-          </a:xfrm>
-          <a:prstGeom prst="line">
+        </p:nvSpPr>
+        <p:spPr>
+          <a:xfrm>
+            <a:off x="6680903" y="3376926"/>
+            <a:ext cx="708186" cy="285783"/>
+          </a:xfrm>
+          <a:prstGeom prst="rect">
             <a:avLst/>
           </a:prstGeom>
           <a:ln w="19050">
             <a:solidFill>
               <a:srgbClr val="7030A0"/>
             </a:solidFill>
-            <a:prstDash val="sysDot"/>
+          </a:ln>
+          <a:effectLst/>
+        </p:spPr>
+        <p:style>
+          <a:lnRef idx="1">
+            <a:schemeClr val="accent4"/>
+          </a:lnRef>
+          <a:fillRef idx="2">
+            <a:schemeClr val="accent4"/>
+          </a:fillRef>
+          <a:effectRef idx="1">
+            <a:schemeClr val="accent4"/>
+          </a:effectRef>
+          <a:fontRef idx="minor">
+            <a:schemeClr val="dk1"/>
+          </a:fontRef>
+        </p:style>
+        <p:txBody>
+          <a:bodyPr rtlCol="0" anchor="ctr"/>
+          <a:lstStyle/>
+          <a:p>
+            <a:pPr algn="ctr"/>
+            <a:r>
+              <a:rPr lang="en-US" sz="1050" dirty="0">
+                <a:solidFill>
+                  <a:srgbClr val="7030A0"/>
+                </a:solidFill>
+              </a:rPr>
+              <a:t>Phone</a:t>
+            </a:r>
+            <a:endParaRPr lang="en-SG" sz="1050" dirty="0">
+              <a:solidFill>
+                <a:srgbClr val="7030A0"/>
+              </a:solidFill>
+            </a:endParaRPr>
+          </a:p>
+        </p:txBody>
+      </p:sp>
+      <p:cxnSp>
+        <p:nvCxnSpPr>
+          <p:cNvPr id="81" name="Elbow Connector 80"/>
+          <p:cNvCxnSpPr>
+            <a:stCxn id="78" idx="3"/>
+            <a:endCxn id="80" idx="1"/>
+          </p:cNvCxnSpPr>
+          <p:nvPr/>
+        </p:nvCxnSpPr>
+        <p:spPr>
+          <a:xfrm flipV="1">
+            <a:off x="6246501" y="3519818"/>
+            <a:ext cx="434402" cy="4783"/>
+          </a:xfrm>
+          <a:prstGeom prst="bentConnector3">
+            <a:avLst/>
+          </a:prstGeom>
+          <a:ln w="19050">
+            <a:solidFill>
+              <a:srgbClr val="7030A0"/>
+            </a:solidFill>
             <a:headEnd type="none" w="med" len="med"/>
-            <a:tailEnd type="none" w="med" len="med"/>
+            <a:tailEnd type="arrow" w="med" len="med"/>
           </a:ln>
           <a:effectLst/>
         </p:spPr>
@@ -3908,59 +4027,14 @@
       </p:cxnSp>
       <p:sp>
         <p:nvSpPr>
-          <p:cNvPr id="42" name="Flowchart: Decision 96"/>
+          <p:cNvPr id="83" name="Rectangle 8"/>
           <p:cNvSpPr/>
           <p:nvPr/>
         </p:nvSpPr>
         <p:spPr>
           <a:xfrm>
-            <a:off x="2373780" y="3549930"/>
-            <a:ext cx="236048" cy="173380"/>
-          </a:xfrm>
-          <a:prstGeom prst="flowChartDecision">
-            <a:avLst/>
-          </a:prstGeom>
-          <a:noFill/>
-          <a:ln w="19050">
-            <a:solidFill>
-              <a:srgbClr val="7030A0"/>
-            </a:solidFill>
-          </a:ln>
-          <a:effectLst/>
-        </p:spPr>
-        <p:style>
-          <a:lnRef idx="1">
-            <a:schemeClr val="accent6"/>
-          </a:lnRef>
-          <a:fillRef idx="2">
-            <a:schemeClr val="accent6"/>
-          </a:fillRef>
-          <a:effectRef idx="1">
-            <a:schemeClr val="accent6"/>
-          </a:effectRef>
-          <a:fontRef idx="minor">
-            <a:schemeClr val="dk1"/>
-          </a:fontRef>
-        </p:style>
-        <p:txBody>
-          <a:bodyPr rtlCol="0" anchor="ctr"/>
-          <a:lstStyle/>
-          <a:p>
-            <a:pPr algn="ctr"/>
-            <a:endParaRPr lang="en-US" sz="1050"/>
-          </a:p>
-        </p:txBody>
-      </p:sp>
-      <p:sp>
-        <p:nvSpPr>
-          <p:cNvPr id="46" name="Rectangle 8"/>
-          <p:cNvSpPr/>
-          <p:nvPr/>
-        </p:nvSpPr>
-        <p:spPr>
-          <a:xfrm>
-            <a:off x="2786406" y="2834911"/>
-            <a:ext cx="1447688" cy="346760"/>
+            <a:off x="6680903" y="3699904"/>
+            <a:ext cx="708186" cy="285783"/>
           </a:xfrm>
           <a:prstGeom prst="rect">
             <a:avLst/>
@@ -3992,12 +4066,12 @@
           <a:p>
             <a:pPr algn="ctr"/>
             <a:r>
-              <a:rPr lang="en-US" sz="1050" dirty="0" err="1" smtClean="0">
+              <a:rPr lang="en-US" sz="1050" dirty="0">
                 <a:solidFill>
                   <a:srgbClr val="7030A0"/>
                 </a:solidFill>
               </a:rPr>
-              <a:t>VersionedAddressBook</a:t>
+              <a:t>Email</a:t>
             </a:r>
             <a:endParaRPr lang="en-SG" sz="1050" dirty="0">
               <a:solidFill>
@@ -4009,19 +4083,19 @@
       </p:sp>
       <p:cxnSp>
         <p:nvCxnSpPr>
-          <p:cNvPr id="47" name="Straight Arrow Connector 46"/>
+          <p:cNvPr id="84" name="Elbow Connector 83"/>
           <p:cNvCxnSpPr>
-            <a:stCxn id="48" idx="3"/>
-            <a:endCxn id="46" idx="1"/>
+            <a:stCxn id="78" idx="3"/>
+            <a:endCxn id="83" idx="1"/>
           </p:cNvCxnSpPr>
           <p:nvPr/>
         </p:nvCxnSpPr>
         <p:spPr>
           <a:xfrm>
-            <a:off x="2624360" y="3003033"/>
-            <a:ext cx="162046" cy="5258"/>
-          </a:xfrm>
-          <a:prstGeom prst="straightConnector1">
+            <a:off x="6246501" y="3524601"/>
+            <a:ext cx="434402" cy="318195"/>
+          </a:xfrm>
+          <a:prstGeom prst="bentConnector3">
             <a:avLst/>
           </a:prstGeom>
           <a:ln w="19050">
@@ -4050,59 +4124,14 @@
       </p:cxnSp>
       <p:sp>
         <p:nvSpPr>
-          <p:cNvPr id="48" name="Flowchart: Decision 96"/>
+          <p:cNvPr id="85" name="Rectangle 8"/>
           <p:cNvSpPr/>
           <p:nvPr/>
         </p:nvSpPr>
         <p:spPr>
           <a:xfrm>
-            <a:off x="2388312" y="2916343"/>
-            <a:ext cx="236048" cy="173380"/>
-          </a:xfrm>
-          <a:prstGeom prst="flowChartDecision">
-            <a:avLst/>
-          </a:prstGeom>
-          <a:noFill/>
-          <a:ln w="19050">
-            <a:solidFill>
-              <a:srgbClr val="7030A0"/>
-            </a:solidFill>
-          </a:ln>
-          <a:effectLst/>
-        </p:spPr>
-        <p:style>
-          <a:lnRef idx="1">
-            <a:schemeClr val="accent6"/>
-          </a:lnRef>
-          <a:fillRef idx="2">
-            <a:schemeClr val="accent6"/>
-          </a:fillRef>
-          <a:effectRef idx="1">
-            <a:schemeClr val="accent6"/>
-          </a:effectRef>
-          <a:fontRef idx="minor">
-            <a:schemeClr val="dk1"/>
-          </a:fontRef>
-        </p:style>
-        <p:txBody>
-          <a:bodyPr rtlCol="0" anchor="ctr"/>
-          <a:lstStyle/>
-          <a:p>
-            <a:pPr algn="ctr"/>
-            <a:endParaRPr lang="en-US" sz="1050"/>
-          </a:p>
-        </p:txBody>
-      </p:sp>
-      <p:sp>
-        <p:nvSpPr>
-          <p:cNvPr id="49" name="Rectangle 8"/>
-          <p:cNvSpPr/>
-          <p:nvPr/>
-        </p:nvSpPr>
-        <p:spPr>
-          <a:xfrm>
-            <a:off x="4762209" y="2863434"/>
-            <a:ext cx="1156969" cy="346760"/>
+            <a:off x="6680903" y="4022881"/>
+            <a:ext cx="708186" cy="285783"/>
           </a:xfrm>
           <a:prstGeom prst="rect">
             <a:avLst/>
@@ -4134,12 +4163,12 @@
           <a:p>
             <a:pPr algn="ctr"/>
             <a:r>
-              <a:rPr lang="en-US" sz="1050" dirty="0" err="1">
+              <a:rPr lang="en-US" sz="1050" dirty="0">
                 <a:solidFill>
                   <a:srgbClr val="7030A0"/>
                 </a:solidFill>
               </a:rPr>
-              <a:t>UniquePersonList</a:t>
+              <a:t>Address</a:t>
             </a:r>
             <a:endParaRPr lang="en-SG" sz="1050" dirty="0">
               <a:solidFill>
@@ -4149,66 +4178,20 @@
           </a:p>
         </p:txBody>
       </p:sp>
-      <p:sp>
-        <p:nvSpPr>
-          <p:cNvPr id="51" name="Flowchart: Decision 96"/>
-          <p:cNvSpPr/>
-          <p:nvPr/>
-        </p:nvSpPr>
-        <p:spPr>
-          <a:xfrm>
-            <a:off x="4233246" y="2948201"/>
-            <a:ext cx="236048" cy="173380"/>
-          </a:xfrm>
-          <a:prstGeom prst="flowChartDecision">
-            <a:avLst/>
-          </a:prstGeom>
-          <a:solidFill>
-            <a:srgbClr val="7030A0"/>
-          </a:solidFill>
-          <a:ln w="19050">
-            <a:solidFill>
-              <a:srgbClr val="7030A0"/>
-            </a:solidFill>
-          </a:ln>
-          <a:effectLst/>
-        </p:spPr>
-        <p:style>
-          <a:lnRef idx="1">
-            <a:schemeClr val="accent6"/>
-          </a:lnRef>
-          <a:fillRef idx="2">
-            <a:schemeClr val="accent6"/>
-          </a:fillRef>
-          <a:effectRef idx="1">
-            <a:schemeClr val="accent6"/>
-          </a:effectRef>
-          <a:fontRef idx="minor">
-            <a:schemeClr val="dk1"/>
-          </a:fontRef>
-        </p:style>
-        <p:txBody>
-          <a:bodyPr rtlCol="0" anchor="ctr"/>
-          <a:lstStyle/>
-          <a:p>
-            <a:pPr algn="ctr"/>
-            <a:endParaRPr lang="en-US" sz="1050"/>
-          </a:p>
-        </p:txBody>
-      </p:sp>
       <p:cxnSp>
         <p:nvCxnSpPr>
-          <p:cNvPr id="30" name="Elbow Connector 29"/>
+          <p:cNvPr id="86" name="Elbow Connector 85"/>
           <p:cNvCxnSpPr>
-            <a:stCxn id="51" idx="3"/>
-            <a:endCxn id="49" idx="1"/>
+            <a:cxnSpLocks/>
+            <a:stCxn id="78" idx="3"/>
+            <a:endCxn id="85" idx="1"/>
           </p:cNvCxnSpPr>
           <p:nvPr/>
         </p:nvCxnSpPr>
         <p:spPr>
           <a:xfrm>
-            <a:off x="4469294" y="3034891"/>
-            <a:ext cx="292915" cy="1923"/>
+            <a:off x="6246501" y="3524601"/>
+            <a:ext cx="434402" cy="641172"/>
           </a:xfrm>
           <a:prstGeom prst="bentConnector3">
             <a:avLst/>
@@ -4239,750 +4222,13 @@
       </p:cxnSp>
       <p:sp>
         <p:nvSpPr>
-          <p:cNvPr id="62" name="Rectangle 8"/>
-          <p:cNvSpPr/>
-          <p:nvPr/>
-        </p:nvSpPr>
-        <p:spPr>
-          <a:xfrm>
-            <a:off x="6313677" y="2858066"/>
-            <a:ext cx="708186" cy="346760"/>
-          </a:xfrm>
-          <a:prstGeom prst="rect">
-            <a:avLst/>
-          </a:prstGeom>
-          <a:ln w="19050">
-            <a:solidFill>
-              <a:srgbClr val="7030A0"/>
-            </a:solidFill>
-          </a:ln>
-          <a:effectLst/>
-        </p:spPr>
-        <p:style>
-          <a:lnRef idx="1">
-            <a:schemeClr val="accent4"/>
-          </a:lnRef>
-          <a:fillRef idx="2">
-            <a:schemeClr val="accent4"/>
-          </a:fillRef>
-          <a:effectRef idx="1">
-            <a:schemeClr val="accent4"/>
-          </a:effectRef>
-          <a:fontRef idx="minor">
-            <a:schemeClr val="dk1"/>
-          </a:fontRef>
-        </p:style>
-        <p:txBody>
-          <a:bodyPr rtlCol="0" anchor="ctr"/>
-          <a:lstStyle/>
-          <a:p>
-            <a:pPr algn="ctr"/>
-            <a:r>
-              <a:rPr lang="en-US" sz="1050" dirty="0">
-                <a:solidFill>
-                  <a:srgbClr val="7030A0"/>
-                </a:solidFill>
-              </a:rPr>
-              <a:t>Person</a:t>
-            </a:r>
-            <a:endParaRPr lang="en-SG" sz="1050" dirty="0">
-              <a:solidFill>
-                <a:srgbClr val="7030A0"/>
-              </a:solidFill>
-            </a:endParaRPr>
-          </a:p>
-        </p:txBody>
-      </p:sp>
-      <p:sp>
-        <p:nvSpPr>
-          <p:cNvPr id="63" name="Flowchart: Decision 96"/>
-          <p:cNvSpPr/>
-          <p:nvPr/>
-        </p:nvSpPr>
-        <p:spPr>
-          <a:xfrm>
-            <a:off x="5918460" y="2941065"/>
-            <a:ext cx="236048" cy="173380"/>
-          </a:xfrm>
-          <a:prstGeom prst="flowChartDecision">
-            <a:avLst/>
-          </a:prstGeom>
-          <a:noFill/>
-          <a:ln w="19050">
-            <a:solidFill>
-              <a:srgbClr val="7030A0"/>
-            </a:solidFill>
-          </a:ln>
-          <a:effectLst/>
-        </p:spPr>
-        <p:style>
-          <a:lnRef idx="1">
-            <a:schemeClr val="accent6"/>
-          </a:lnRef>
-          <a:fillRef idx="2">
-            <a:schemeClr val="accent6"/>
-          </a:fillRef>
-          <a:effectRef idx="1">
-            <a:schemeClr val="accent6"/>
-          </a:effectRef>
-          <a:fontRef idx="minor">
-            <a:schemeClr val="dk1"/>
-          </a:fontRef>
-        </p:style>
-        <p:txBody>
-          <a:bodyPr rtlCol="0" anchor="ctr"/>
-          <a:lstStyle/>
-          <a:p>
-            <a:pPr algn="ctr"/>
-            <a:endParaRPr lang="en-US" sz="1050"/>
-          </a:p>
-        </p:txBody>
-      </p:sp>
-      <p:cxnSp>
-        <p:nvCxnSpPr>
-          <p:cNvPr id="64" name="Elbow Connector 63"/>
-          <p:cNvCxnSpPr>
-            <a:cxnSpLocks/>
-            <a:stCxn id="63" idx="3"/>
-            <a:endCxn id="62" idx="1"/>
-          </p:cNvCxnSpPr>
-          <p:nvPr/>
-        </p:nvCxnSpPr>
-        <p:spPr>
-          <a:xfrm>
-            <a:off x="6154508" y="3027755"/>
-            <a:ext cx="159169" cy="3691"/>
-          </a:xfrm>
-          <a:prstGeom prst="bentConnector3">
-            <a:avLst/>
-          </a:prstGeom>
-          <a:ln w="19050">
-            <a:solidFill>
-              <a:srgbClr val="7030A0"/>
-            </a:solidFill>
-            <a:headEnd type="none" w="med" len="med"/>
-            <a:tailEnd type="arrow" w="med" len="med"/>
-          </a:ln>
-          <a:effectLst/>
-        </p:spPr>
-        <p:style>
-          <a:lnRef idx="1">
-            <a:schemeClr val="accent2"/>
-          </a:lnRef>
-          <a:fillRef idx="2">
-            <a:schemeClr val="accent2"/>
-          </a:fillRef>
-          <a:effectRef idx="1">
-            <a:schemeClr val="accent2"/>
-          </a:effectRef>
-          <a:fontRef idx="minor">
-            <a:schemeClr val="dk1"/>
-          </a:fontRef>
-        </p:style>
-      </p:cxnSp>
-      <p:sp>
-        <p:nvSpPr>
-          <p:cNvPr id="76" name="Rectangle 8"/>
-          <p:cNvSpPr/>
-          <p:nvPr/>
-        </p:nvSpPr>
-        <p:spPr>
-          <a:xfrm>
-            <a:off x="7712397" y="2564238"/>
-            <a:ext cx="708186" cy="285783"/>
-          </a:xfrm>
-          <a:prstGeom prst="rect">
-            <a:avLst/>
-          </a:prstGeom>
-          <a:ln w="19050">
-            <a:solidFill>
-              <a:srgbClr val="7030A0"/>
-            </a:solidFill>
-          </a:ln>
-          <a:effectLst/>
-        </p:spPr>
-        <p:style>
-          <a:lnRef idx="1">
-            <a:schemeClr val="accent4"/>
-          </a:lnRef>
-          <a:fillRef idx="2">
-            <a:schemeClr val="accent4"/>
-          </a:fillRef>
-          <a:effectRef idx="1">
-            <a:schemeClr val="accent4"/>
-          </a:effectRef>
-          <a:fontRef idx="minor">
-            <a:schemeClr val="dk1"/>
-          </a:fontRef>
-        </p:style>
-        <p:txBody>
-          <a:bodyPr rtlCol="0" anchor="ctr"/>
-          <a:lstStyle/>
-          <a:p>
-            <a:pPr algn="ctr"/>
-            <a:r>
-              <a:rPr lang="en-US" sz="1050" dirty="0">
-                <a:solidFill>
-                  <a:srgbClr val="7030A0"/>
-                </a:solidFill>
-              </a:rPr>
-              <a:t>Name</a:t>
-            </a:r>
-            <a:endParaRPr lang="en-SG" sz="1050" dirty="0">
-              <a:solidFill>
-                <a:srgbClr val="7030A0"/>
-              </a:solidFill>
-            </a:endParaRPr>
-          </a:p>
-        </p:txBody>
-      </p:sp>
-      <p:sp>
-        <p:nvSpPr>
-          <p:cNvPr id="78" name="Flowchart: Decision 96"/>
-          <p:cNvSpPr/>
-          <p:nvPr/>
-        </p:nvSpPr>
-        <p:spPr>
-          <a:xfrm>
-            <a:off x="7041947" y="2948201"/>
-            <a:ext cx="236048" cy="173380"/>
-          </a:xfrm>
-          <a:prstGeom prst="flowChartDecision">
-            <a:avLst/>
-          </a:prstGeom>
-          <a:solidFill>
-            <a:srgbClr val="7030A0"/>
-          </a:solidFill>
-          <a:ln w="19050">
-            <a:solidFill>
-              <a:srgbClr val="7030A0"/>
-            </a:solidFill>
-          </a:ln>
-          <a:effectLst/>
-        </p:spPr>
-        <p:style>
-          <a:lnRef idx="1">
-            <a:schemeClr val="accent6"/>
-          </a:lnRef>
-          <a:fillRef idx="2">
-            <a:schemeClr val="accent6"/>
-          </a:fillRef>
-          <a:effectRef idx="1">
-            <a:schemeClr val="accent6"/>
-          </a:effectRef>
-          <a:fontRef idx="minor">
-            <a:schemeClr val="dk1"/>
-          </a:fontRef>
-        </p:style>
-        <p:txBody>
-          <a:bodyPr rtlCol="0" anchor="ctr"/>
-          <a:lstStyle/>
-          <a:p>
-            <a:pPr algn="ctr"/>
-            <a:endParaRPr lang="en-US" sz="1050"/>
-          </a:p>
-        </p:txBody>
-      </p:sp>
-      <p:cxnSp>
-        <p:nvCxnSpPr>
-          <p:cNvPr id="79" name="Elbow Connector 78"/>
-          <p:cNvCxnSpPr>
-            <a:cxnSpLocks/>
-          </p:cNvCxnSpPr>
-          <p:nvPr/>
-        </p:nvCxnSpPr>
-        <p:spPr>
-          <a:xfrm flipV="1">
-            <a:off x="7277995" y="2706821"/>
-            <a:ext cx="434402" cy="327761"/>
-          </a:xfrm>
-          <a:prstGeom prst="bentConnector3">
-            <a:avLst/>
-          </a:prstGeom>
-          <a:ln w="19050">
-            <a:solidFill>
-              <a:srgbClr val="7030A0"/>
-            </a:solidFill>
-            <a:headEnd type="none" w="med" len="med"/>
-            <a:tailEnd type="arrow" w="med" len="med"/>
-          </a:ln>
-          <a:effectLst/>
-        </p:spPr>
-        <p:style>
-          <a:lnRef idx="1">
-            <a:schemeClr val="accent2"/>
-          </a:lnRef>
-          <a:fillRef idx="2">
-            <a:schemeClr val="accent2"/>
-          </a:fillRef>
-          <a:effectRef idx="1">
-            <a:schemeClr val="accent2"/>
-          </a:effectRef>
-          <a:fontRef idx="minor">
-            <a:schemeClr val="dk1"/>
-          </a:fontRef>
-        </p:style>
-      </p:cxnSp>
-      <p:sp>
-        <p:nvSpPr>
-          <p:cNvPr id="80" name="Rectangle 8"/>
-          <p:cNvSpPr/>
-          <p:nvPr/>
-        </p:nvSpPr>
-        <p:spPr>
-          <a:xfrm>
-            <a:off x="7712397" y="2887216"/>
-            <a:ext cx="708186" cy="285783"/>
-          </a:xfrm>
-          <a:prstGeom prst="rect">
-            <a:avLst/>
-          </a:prstGeom>
-          <a:ln w="19050">
-            <a:solidFill>
-              <a:srgbClr val="7030A0"/>
-            </a:solidFill>
-          </a:ln>
-          <a:effectLst/>
-        </p:spPr>
-        <p:style>
-          <a:lnRef idx="1">
-            <a:schemeClr val="accent4"/>
-          </a:lnRef>
-          <a:fillRef idx="2">
-            <a:schemeClr val="accent4"/>
-          </a:fillRef>
-          <a:effectRef idx="1">
-            <a:schemeClr val="accent4"/>
-          </a:effectRef>
-          <a:fontRef idx="minor">
-            <a:schemeClr val="dk1"/>
-          </a:fontRef>
-        </p:style>
-        <p:txBody>
-          <a:bodyPr rtlCol="0" anchor="ctr"/>
-          <a:lstStyle/>
-          <a:p>
-            <a:pPr algn="ctr"/>
-            <a:r>
-              <a:rPr lang="en-US" sz="1050" dirty="0">
-                <a:solidFill>
-                  <a:srgbClr val="7030A0"/>
-                </a:solidFill>
-              </a:rPr>
-              <a:t>Phone</a:t>
-            </a:r>
-            <a:endParaRPr lang="en-SG" sz="1050" dirty="0">
-              <a:solidFill>
-                <a:srgbClr val="7030A0"/>
-              </a:solidFill>
-            </a:endParaRPr>
-          </a:p>
-        </p:txBody>
-      </p:sp>
-      <p:cxnSp>
-        <p:nvCxnSpPr>
-          <p:cNvPr id="81" name="Elbow Connector 80"/>
-          <p:cNvCxnSpPr>
-            <a:stCxn id="78" idx="3"/>
-            <a:endCxn id="80" idx="1"/>
-          </p:cNvCxnSpPr>
-          <p:nvPr/>
-        </p:nvCxnSpPr>
-        <p:spPr>
-          <a:xfrm flipV="1">
-            <a:off x="7277995" y="3030108"/>
-            <a:ext cx="434402" cy="4783"/>
-          </a:xfrm>
-          <a:prstGeom prst="bentConnector3">
-            <a:avLst/>
-          </a:prstGeom>
-          <a:ln w="19050">
-            <a:solidFill>
-              <a:srgbClr val="7030A0"/>
-            </a:solidFill>
-            <a:headEnd type="none" w="med" len="med"/>
-            <a:tailEnd type="arrow" w="med" len="med"/>
-          </a:ln>
-          <a:effectLst/>
-        </p:spPr>
-        <p:style>
-          <a:lnRef idx="1">
-            <a:schemeClr val="accent2"/>
-          </a:lnRef>
-          <a:fillRef idx="2">
-            <a:schemeClr val="accent2"/>
-          </a:fillRef>
-          <a:effectRef idx="1">
-            <a:schemeClr val="accent2"/>
-          </a:effectRef>
-          <a:fontRef idx="minor">
-            <a:schemeClr val="dk1"/>
-          </a:fontRef>
-        </p:style>
-      </p:cxnSp>
-      <p:sp>
-        <p:nvSpPr>
-          <p:cNvPr id="83" name="Rectangle 8"/>
-          <p:cNvSpPr/>
-          <p:nvPr/>
-        </p:nvSpPr>
-        <p:spPr>
-          <a:xfrm>
-            <a:off x="7712397" y="3210194"/>
-            <a:ext cx="708186" cy="285783"/>
-          </a:xfrm>
-          <a:prstGeom prst="rect">
-            <a:avLst/>
-          </a:prstGeom>
-          <a:ln w="19050">
-            <a:solidFill>
-              <a:srgbClr val="7030A0"/>
-            </a:solidFill>
-          </a:ln>
-          <a:effectLst/>
-        </p:spPr>
-        <p:style>
-          <a:lnRef idx="1">
-            <a:schemeClr val="accent4"/>
-          </a:lnRef>
-          <a:fillRef idx="2">
-            <a:schemeClr val="accent4"/>
-          </a:fillRef>
-          <a:effectRef idx="1">
-            <a:schemeClr val="accent4"/>
-          </a:effectRef>
-          <a:fontRef idx="minor">
-            <a:schemeClr val="dk1"/>
-          </a:fontRef>
-        </p:style>
-        <p:txBody>
-          <a:bodyPr rtlCol="0" anchor="ctr"/>
-          <a:lstStyle/>
-          <a:p>
-            <a:pPr algn="ctr"/>
-            <a:r>
-              <a:rPr lang="en-US" sz="1050" dirty="0">
-                <a:solidFill>
-                  <a:srgbClr val="7030A0"/>
-                </a:solidFill>
-              </a:rPr>
-              <a:t>Email</a:t>
-            </a:r>
-            <a:endParaRPr lang="en-SG" sz="1050" dirty="0">
-              <a:solidFill>
-                <a:srgbClr val="7030A0"/>
-              </a:solidFill>
-            </a:endParaRPr>
-          </a:p>
-        </p:txBody>
-      </p:sp>
-      <p:cxnSp>
-        <p:nvCxnSpPr>
-          <p:cNvPr id="84" name="Elbow Connector 83"/>
-          <p:cNvCxnSpPr>
-            <a:stCxn id="78" idx="3"/>
-            <a:endCxn id="83" idx="1"/>
-          </p:cNvCxnSpPr>
-          <p:nvPr/>
-        </p:nvCxnSpPr>
-        <p:spPr>
-          <a:xfrm>
-            <a:off x="7277995" y="3034891"/>
-            <a:ext cx="434402" cy="318195"/>
-          </a:xfrm>
-          <a:prstGeom prst="bentConnector3">
-            <a:avLst/>
-          </a:prstGeom>
-          <a:ln w="19050">
-            <a:solidFill>
-              <a:srgbClr val="7030A0"/>
-            </a:solidFill>
-            <a:headEnd type="none" w="med" len="med"/>
-            <a:tailEnd type="arrow" w="med" len="med"/>
-          </a:ln>
-          <a:effectLst/>
-        </p:spPr>
-        <p:style>
-          <a:lnRef idx="1">
-            <a:schemeClr val="accent2"/>
-          </a:lnRef>
-          <a:fillRef idx="2">
-            <a:schemeClr val="accent2"/>
-          </a:fillRef>
-          <a:effectRef idx="1">
-            <a:schemeClr val="accent2"/>
-          </a:effectRef>
-          <a:fontRef idx="minor">
-            <a:schemeClr val="dk1"/>
-          </a:fontRef>
-        </p:style>
-      </p:cxnSp>
-      <p:sp>
-        <p:nvSpPr>
-          <p:cNvPr id="85" name="Rectangle 8"/>
-          <p:cNvSpPr/>
-          <p:nvPr/>
-        </p:nvSpPr>
-        <p:spPr>
-          <a:xfrm>
-            <a:off x="7712397" y="3533171"/>
-            <a:ext cx="708186" cy="285783"/>
-          </a:xfrm>
-          <a:prstGeom prst="rect">
-            <a:avLst/>
-          </a:prstGeom>
-          <a:ln w="19050">
-            <a:solidFill>
-              <a:srgbClr val="7030A0"/>
-            </a:solidFill>
-          </a:ln>
-          <a:effectLst/>
-        </p:spPr>
-        <p:style>
-          <a:lnRef idx="1">
-            <a:schemeClr val="accent4"/>
-          </a:lnRef>
-          <a:fillRef idx="2">
-            <a:schemeClr val="accent4"/>
-          </a:fillRef>
-          <a:effectRef idx="1">
-            <a:schemeClr val="accent4"/>
-          </a:effectRef>
-          <a:fontRef idx="minor">
-            <a:schemeClr val="dk1"/>
-          </a:fontRef>
-        </p:style>
-        <p:txBody>
-          <a:bodyPr rtlCol="0" anchor="ctr"/>
-          <a:lstStyle/>
-          <a:p>
-            <a:pPr algn="ctr"/>
-            <a:r>
-              <a:rPr lang="en-US" sz="1050" dirty="0">
-                <a:solidFill>
-                  <a:srgbClr val="7030A0"/>
-                </a:solidFill>
-              </a:rPr>
-              <a:t>Address</a:t>
-            </a:r>
-            <a:endParaRPr lang="en-SG" sz="1050" dirty="0">
-              <a:solidFill>
-                <a:srgbClr val="7030A0"/>
-              </a:solidFill>
-            </a:endParaRPr>
-          </a:p>
-        </p:txBody>
-      </p:sp>
-      <p:cxnSp>
-        <p:nvCxnSpPr>
-          <p:cNvPr id="86" name="Elbow Connector 85"/>
-          <p:cNvCxnSpPr>
-            <a:stCxn id="78" idx="3"/>
-            <a:endCxn id="85" idx="1"/>
-          </p:cNvCxnSpPr>
-          <p:nvPr/>
-        </p:nvCxnSpPr>
-        <p:spPr>
-          <a:xfrm>
-            <a:off x="7277995" y="3034891"/>
-            <a:ext cx="434402" cy="641172"/>
-          </a:xfrm>
-          <a:prstGeom prst="bentConnector3">
-            <a:avLst/>
-          </a:prstGeom>
-          <a:ln w="19050">
-            <a:solidFill>
-              <a:srgbClr val="7030A0"/>
-            </a:solidFill>
-            <a:headEnd type="none" w="med" len="med"/>
-            <a:tailEnd type="arrow" w="med" len="med"/>
-          </a:ln>
-          <a:effectLst/>
-        </p:spPr>
-        <p:style>
-          <a:lnRef idx="1">
-            <a:schemeClr val="accent2"/>
-          </a:lnRef>
-          <a:fillRef idx="2">
-            <a:schemeClr val="accent2"/>
-          </a:fillRef>
-          <a:effectRef idx="1">
-            <a:schemeClr val="accent2"/>
-          </a:effectRef>
-          <a:fontRef idx="minor">
-            <a:schemeClr val="dk1"/>
-          </a:fontRef>
-        </p:style>
-      </p:cxnSp>
-      <p:sp>
-        <p:nvSpPr>
-          <p:cNvPr id="114" name="TextBox 113"/>
-          <p:cNvSpPr txBox="1"/>
-          <p:nvPr/>
-        </p:nvSpPr>
-        <p:spPr>
-          <a:xfrm rot="16200000">
-            <a:off x="6362886" y="3586305"/>
-            <a:ext cx="881018" cy="261610"/>
-          </a:xfrm>
-          <a:prstGeom prst="rect">
-            <a:avLst/>
-          </a:prstGeom>
-          <a:noFill/>
-        </p:spPr>
-        <p:txBody>
-          <a:bodyPr wrap="square" rtlCol="0">
-            <a:spAutoFit/>
-          </a:bodyPr>
-          <a:lstStyle/>
-          <a:p>
-            <a:pPr algn="r"/>
-            <a:r>
-              <a:rPr lang="en-US" sz="1100" dirty="0">
-                <a:solidFill>
-                  <a:srgbClr val="7030A0"/>
-                </a:solidFill>
-              </a:rPr>
-              <a:t>filtered list</a:t>
-            </a:r>
-            <a:endParaRPr lang="en-SG" sz="1100" dirty="0">
-              <a:solidFill>
-                <a:srgbClr val="7030A0"/>
-              </a:solidFill>
-            </a:endParaRPr>
-          </a:p>
-        </p:txBody>
-      </p:sp>
-      <p:sp>
-        <p:nvSpPr>
-          <p:cNvPr id="122" name="Rectangle 8"/>
-          <p:cNvSpPr/>
-          <p:nvPr/>
-        </p:nvSpPr>
-        <p:spPr>
-          <a:xfrm>
-            <a:off x="2057401" y="4239491"/>
-            <a:ext cx="1066800" cy="346760"/>
-          </a:xfrm>
-          <a:prstGeom prst="rect">
-            <a:avLst/>
-          </a:prstGeom>
-          <a:ln w="19050">
-            <a:solidFill>
-              <a:srgbClr val="7030A0"/>
-            </a:solidFill>
-          </a:ln>
-          <a:effectLst/>
-        </p:spPr>
-        <p:style>
-          <a:lnRef idx="1">
-            <a:schemeClr val="accent4"/>
-          </a:lnRef>
-          <a:fillRef idx="2">
-            <a:schemeClr val="accent4"/>
-          </a:fillRef>
-          <a:effectRef idx="1">
-            <a:schemeClr val="accent4"/>
-          </a:effectRef>
-          <a:fontRef idx="minor">
-            <a:schemeClr val="dk1"/>
-          </a:fontRef>
-        </p:style>
-        <p:txBody>
-          <a:bodyPr rtlCol="0" anchor="ctr"/>
-          <a:lstStyle/>
-          <a:p>
-            <a:pPr algn="ctr"/>
-            <a:r>
-              <a:rPr lang="en-US" sz="1050" dirty="0">
-                <a:solidFill>
-                  <a:srgbClr val="7030A0"/>
-                </a:solidFill>
-              </a:rPr>
-              <a:t>&lt;&lt;interface&gt;&gt;</a:t>
-            </a:r>
-            <a:r>
-              <a:rPr lang="en-US" sz="1050">
-                <a:solidFill>
-                  <a:srgbClr val="7030A0"/>
-                </a:solidFill>
-              </a:rPr>
-              <a:t/>
-            </a:r>
-            <a:br>
-              <a:rPr lang="en-US" sz="1050">
-                <a:solidFill>
-                  <a:srgbClr val="7030A0"/>
-                </a:solidFill>
-              </a:rPr>
-            </a:br>
-            <a:r>
-              <a:rPr lang="en-US" sz="1050" dirty="0" err="1">
-                <a:solidFill>
-                  <a:srgbClr val="7030A0"/>
-                </a:solidFill>
-              </a:rPr>
-              <a:t>ObservableList</a:t>
-            </a:r>
-            <a:endParaRPr lang="en-SG" sz="1050" dirty="0">
-              <a:solidFill>
-                <a:srgbClr val="7030A0"/>
-              </a:solidFill>
-            </a:endParaRPr>
-          </a:p>
-        </p:txBody>
-      </p:sp>
-      <p:cxnSp>
-        <p:nvCxnSpPr>
-          <p:cNvPr id="124" name="Elbow Connector 122"/>
-          <p:cNvCxnSpPr>
-            <a:stCxn id="119" idx="1"/>
-            <a:endCxn id="122" idx="1"/>
-          </p:cNvCxnSpPr>
-          <p:nvPr/>
-        </p:nvCxnSpPr>
-        <p:spPr>
-          <a:xfrm rot="16200000" flipH="1">
-            <a:off x="1364475" y="3719944"/>
-            <a:ext cx="831471" cy="554381"/>
-          </a:xfrm>
-          <a:prstGeom prst="bentConnector2">
-            <a:avLst/>
-          </a:prstGeom>
-          <a:ln w="19050">
-            <a:solidFill>
-              <a:srgbClr val="7030A0"/>
-            </a:solidFill>
-            <a:prstDash val="sysDot"/>
-            <a:headEnd type="none" w="med" len="med"/>
-            <a:tailEnd type="arrow" w="med" len="med"/>
-          </a:ln>
-          <a:effectLst/>
-        </p:spPr>
-        <p:style>
-          <a:lnRef idx="1">
-            <a:schemeClr val="accent2"/>
-          </a:lnRef>
-          <a:fillRef idx="2">
-            <a:schemeClr val="accent2"/>
-          </a:fillRef>
-          <a:effectRef idx="1">
-            <a:schemeClr val="accent2"/>
-          </a:effectRef>
-          <a:fontRef idx="minor">
-            <a:schemeClr val="dk1"/>
-          </a:fontRef>
-        </p:style>
-      </p:cxnSp>
-      <p:sp>
-        <p:nvSpPr>
           <p:cNvPr id="54" name="TextBox 53"/>
           <p:cNvSpPr txBox="1"/>
           <p:nvPr/>
         </p:nvSpPr>
         <p:spPr>
           <a:xfrm>
-            <a:off x="4324972" y="3058864"/>
+            <a:off x="3293478" y="3548574"/>
             <a:ext cx="189257" cy="178683"/>
           </a:xfrm>
           <a:prstGeom prst="rect">
@@ -5021,7 +4267,7 @@
         </p:nvSpPr>
         <p:spPr>
           <a:xfrm>
-            <a:off x="6135256" y="3097917"/>
+            <a:off x="5103762" y="3587627"/>
             <a:ext cx="189257" cy="178683"/>
           </a:xfrm>
           <a:prstGeom prst="rect">
@@ -5043,123 +4289,6 @@
                 </a:solidFill>
               </a:rPr>
               <a:t>*</a:t>
-            </a:r>
-            <a:endParaRPr lang="en-SG" sz="1100" dirty="0">
-              <a:solidFill>
-                <a:srgbClr val="7030A0"/>
-              </a:solidFill>
-            </a:endParaRPr>
-          </a:p>
-        </p:txBody>
-      </p:sp>
-      <p:sp>
-        <p:nvSpPr>
-          <p:cNvPr id="65" name="TextBox 64"/>
-          <p:cNvSpPr txBox="1"/>
-          <p:nvPr/>
-        </p:nvSpPr>
-        <p:spPr>
-          <a:xfrm>
-            <a:off x="2560167" y="2753818"/>
-            <a:ext cx="78378" cy="193767"/>
-          </a:xfrm>
-          <a:prstGeom prst="rect">
-            <a:avLst/>
-          </a:prstGeom>
-          <a:noFill/>
-        </p:spPr>
-        <p:txBody>
-          <a:bodyPr wrap="square" lIns="0" tIns="0" rIns="0" bIns="0" rtlCol="0">
-            <a:noAutofit/>
-          </a:bodyPr>
-          <a:lstStyle/>
-          <a:p>
-            <a:pPr algn="ctr"/>
-            <a:r>
-              <a:rPr lang="en-US" sz="1100" dirty="0">
-                <a:solidFill>
-                  <a:srgbClr val="7030A0"/>
-                </a:solidFill>
-              </a:rPr>
-              <a:t>1</a:t>
-            </a:r>
-            <a:endParaRPr lang="en-SG" sz="1100" dirty="0">
-              <a:solidFill>
-                <a:srgbClr val="7030A0"/>
-              </a:solidFill>
-            </a:endParaRPr>
-          </a:p>
-        </p:txBody>
-      </p:sp>
-      <p:sp>
-        <p:nvSpPr>
-          <p:cNvPr id="66" name="TextBox 65"/>
-          <p:cNvSpPr txBox="1"/>
-          <p:nvPr/>
-        </p:nvSpPr>
-        <p:spPr>
-          <a:xfrm>
-            <a:off x="2707070" y="3667737"/>
-            <a:ext cx="189257" cy="178683"/>
-          </a:xfrm>
-          <a:prstGeom prst="rect">
-            <a:avLst/>
-          </a:prstGeom>
-          <a:noFill/>
-        </p:spPr>
-        <p:txBody>
-          <a:bodyPr wrap="square" lIns="0" tIns="0" rIns="0" bIns="0" rtlCol="0">
-            <a:noAutofit/>
-          </a:bodyPr>
-          <a:lstStyle/>
-          <a:p>
-            <a:pPr algn="ctr"/>
-            <a:r>
-              <a:rPr lang="en-US" sz="1100" dirty="0">
-                <a:solidFill>
-                  <a:srgbClr val="7030A0"/>
-                </a:solidFill>
-              </a:rPr>
-              <a:t>1</a:t>
-            </a:r>
-            <a:endParaRPr lang="en-SG" sz="1100" dirty="0">
-              <a:solidFill>
-                <a:srgbClr val="7030A0"/>
-              </a:solidFill>
-            </a:endParaRPr>
-          </a:p>
-        </p:txBody>
-      </p:sp>
-      <p:sp>
-        <p:nvSpPr>
-          <p:cNvPr id="70" name="TextBox 69"/>
-          <p:cNvSpPr txBox="1"/>
-          <p:nvPr/>
-        </p:nvSpPr>
-        <p:spPr>
-          <a:xfrm>
-            <a:off x="6449896" y="3204826"/>
-            <a:ext cx="189257" cy="178683"/>
-          </a:xfrm>
-          <a:prstGeom prst="rect">
-            <a:avLst/>
-          </a:prstGeom>
-          <a:noFill/>
-        </p:spPr>
-        <p:txBody>
-          <a:bodyPr wrap="square" lIns="0" tIns="0" rIns="0" bIns="0" rtlCol="0">
-            <a:noAutofit/>
-          </a:bodyPr>
-          <a:lstStyle/>
-          <a:p>
-            <a:pPr algn="ctr"/>
-            <a:r>
-              <a:rPr lang="en-US" sz="1100" dirty="0">
-                <a:solidFill>
-                  <a:srgbClr val="7030A0"/>
-                </a:solidFill>
-              </a:rPr>
-              <a:t>1</a:t>
             </a:r>
             <a:endParaRPr lang="en-SG" sz="1100" dirty="0">
               <a:solidFill>
@@ -5183,7 +4312,7 @@
         </p:nvSpPr>
         <p:spPr>
           <a:xfrm>
-            <a:off x="4755872" y="2206861"/>
+            <a:off x="3724378" y="2696571"/>
             <a:ext cx="1156969" cy="285783"/>
           </a:xfrm>
           <a:prstGeom prst="rect">
@@ -5249,7 +4378,7 @@
         </p:nvCxnSpPr>
         <p:spPr>
           <a:xfrm rot="5400000" flipH="1" flipV="1">
-            <a:off x="4233181" y="2536174"/>
+            <a:off x="3201687" y="3025884"/>
             <a:ext cx="709111" cy="336271"/>
           </a:xfrm>
           <a:prstGeom prst="bentConnector2">
@@ -5293,7 +4422,7 @@
         </p:nvSpPr>
         <p:spPr>
           <a:xfrm>
-            <a:off x="6714344" y="2430721"/>
+            <a:off x="5682850" y="2920431"/>
             <a:ext cx="189257" cy="178683"/>
           </a:xfrm>
           <a:prstGeom prst="rect">
@@ -5338,7 +4467,7 @@
         </p:nvSpPr>
         <p:spPr>
           <a:xfrm rot="16200000">
-            <a:off x="6553482" y="2664721"/>
+            <a:off x="5521988" y="3154431"/>
             <a:ext cx="236048" cy="173380"/>
           </a:xfrm>
           <a:prstGeom prst="flowChartDecision">
@@ -5392,7 +4521,7 @@
         </p:nvCxnSpPr>
         <p:spPr>
           <a:xfrm flipV="1">
-            <a:off x="5884280" y="2233006"/>
+            <a:off x="4852786" y="2722716"/>
             <a:ext cx="432916" cy="111294"/>
           </a:xfrm>
           <a:prstGeom prst="bentConnector3">
@@ -5436,7 +4565,7 @@
         </p:nvSpPr>
         <p:spPr>
           <a:xfrm>
-            <a:off x="6317196" y="2059626"/>
+            <a:off x="5285702" y="2549336"/>
             <a:ext cx="708186" cy="346760"/>
           </a:xfrm>
           <a:prstGeom prst="rect">
@@ -5498,7 +4627,7 @@
         </p:nvSpPr>
         <p:spPr>
           <a:xfrm>
-            <a:off x="6135256" y="2278014"/>
+            <a:off x="5103762" y="2767724"/>
             <a:ext cx="189257" cy="178683"/>
           </a:xfrm>
           <a:prstGeom prst="rect">
@@ -5543,7 +4672,7 @@
         </p:nvSpPr>
         <p:spPr>
           <a:xfrm>
-            <a:off x="4367100" y="2172972"/>
+            <a:off x="3335606" y="2662682"/>
             <a:ext cx="189257" cy="178683"/>
           </a:xfrm>
           <a:prstGeom prst="rect">
@@ -5588,7 +4717,7 @@
         </p:nvSpPr>
         <p:spPr>
           <a:xfrm>
-            <a:off x="5911329" y="2262081"/>
+            <a:off x="4879835" y="2751791"/>
             <a:ext cx="236048" cy="173380"/>
           </a:xfrm>
           <a:prstGeom prst="flowChartDecision">
@@ -5645,7 +4774,7 @@
         </p:nvCxnSpPr>
         <p:spPr>
           <a:xfrm rot="16200000" flipV="1">
-            <a:off x="6557898" y="2519778"/>
+            <a:off x="5526404" y="3009488"/>
             <a:ext cx="227001" cy="217"/>
           </a:xfrm>
           <a:prstGeom prst="bentConnector3">
@@ -5659,320 +4788,6 @@
             </a:solidFill>
             <a:headEnd type="none" w="med" len="med"/>
             <a:tailEnd type="arrow" w="med" len="med"/>
-          </a:ln>
-          <a:effectLst/>
-        </p:spPr>
-        <p:style>
-          <a:lnRef idx="1">
-            <a:schemeClr val="accent2"/>
-          </a:lnRef>
-          <a:fillRef idx="2">
-            <a:schemeClr val="accent2"/>
-          </a:fillRef>
-          <a:effectRef idx="1">
-            <a:schemeClr val="accent2"/>
-          </a:effectRef>
-          <a:fontRef idx="minor">
-            <a:schemeClr val="dk1"/>
-          </a:fontRef>
-        </p:style>
-      </p:cxnSp>
-      <p:cxnSp>
-        <p:nvCxnSpPr>
-          <p:cNvPr id="90" name="Elbow Connector 63"/>
-          <p:cNvCxnSpPr>
-            <a:stCxn id="91" idx="3"/>
-          </p:cNvCxnSpPr>
-          <p:nvPr/>
-        </p:nvCxnSpPr>
-        <p:spPr>
-          <a:xfrm rot="5400000">
-            <a:off x="3470636" y="2687353"/>
-            <a:ext cx="293825" cy="5938"/>
-          </a:xfrm>
-          <a:prstGeom prst="bentConnector3">
-            <a:avLst>
-              <a:gd name="adj1" fmla="val 50000"/>
-            </a:avLst>
-          </a:prstGeom>
-          <a:ln w="19050">
-            <a:solidFill>
-              <a:srgbClr val="7030A0"/>
-            </a:solidFill>
-            <a:prstDash val="sysDot"/>
-            <a:headEnd type="none" w="med" len="med"/>
-            <a:tailEnd type="none" w="med" len="med"/>
-          </a:ln>
-          <a:effectLst/>
-        </p:spPr>
-        <p:style>
-          <a:lnRef idx="1">
-            <a:schemeClr val="accent2"/>
-          </a:lnRef>
-          <a:fillRef idx="2">
-            <a:schemeClr val="accent2"/>
-          </a:fillRef>
-          <a:effectRef idx="1">
-            <a:schemeClr val="accent2"/>
-          </a:effectRef>
-          <a:fontRef idx="minor">
-            <a:schemeClr val="dk1"/>
-          </a:fontRef>
-        </p:style>
-      </p:cxnSp>
-      <p:sp>
-        <p:nvSpPr>
-          <p:cNvPr id="91" name="Isosceles Triangle 102"/>
-          <p:cNvSpPr/>
-          <p:nvPr/>
-        </p:nvSpPr>
-        <p:spPr>
-          <a:xfrm rot="10800000" flipV="1">
-            <a:off x="3479324" y="2386348"/>
-            <a:ext cx="282387" cy="157062"/>
-          </a:xfrm>
-          <a:prstGeom prst="triangle">
-            <a:avLst/>
-          </a:prstGeom>
-          <a:ln w="19050">
-            <a:solidFill>
-              <a:srgbClr val="7030A0"/>
-            </a:solidFill>
-          </a:ln>
-          <a:effectLst/>
-        </p:spPr>
-        <p:style>
-          <a:lnRef idx="1">
-            <a:schemeClr val="accent4"/>
-          </a:lnRef>
-          <a:fillRef idx="2">
-            <a:schemeClr val="accent4"/>
-          </a:fillRef>
-          <a:effectRef idx="1">
-            <a:schemeClr val="accent4"/>
-          </a:effectRef>
-          <a:fontRef idx="minor">
-            <a:schemeClr val="dk1"/>
-          </a:fontRef>
-        </p:style>
-        <p:txBody>
-          <a:bodyPr rtlCol="0" anchor="ctr"/>
-          <a:lstStyle/>
-          <a:p>
-            <a:pPr algn="ctr"/>
-            <a:endParaRPr lang="en-SG" sz="1050" b="1">
-              <a:solidFill>
-                <a:srgbClr val="92D050"/>
-              </a:solidFill>
-            </a:endParaRPr>
-          </a:p>
-        </p:txBody>
-      </p:sp>
-      <p:sp>
-        <p:nvSpPr>
-          <p:cNvPr id="92" name="Rectangle 8"/>
-          <p:cNvSpPr/>
-          <p:nvPr/>
-        </p:nvSpPr>
-        <p:spPr>
-          <a:xfrm>
-            <a:off x="1177947" y="1998144"/>
-            <a:ext cx="1443661" cy="364396"/>
-          </a:xfrm>
-          <a:prstGeom prst="rect">
-            <a:avLst/>
-          </a:prstGeom>
-          <a:ln w="19050">
-            <a:solidFill>
-              <a:srgbClr val="7030A0"/>
-            </a:solidFill>
-          </a:ln>
-          <a:effectLst/>
-        </p:spPr>
-        <p:style>
-          <a:lnRef idx="1">
-            <a:schemeClr val="accent4"/>
-          </a:lnRef>
-          <a:fillRef idx="2">
-            <a:schemeClr val="accent4"/>
-          </a:fillRef>
-          <a:effectRef idx="1">
-            <a:schemeClr val="accent4"/>
-          </a:effectRef>
-          <a:fontRef idx="minor">
-            <a:schemeClr val="dk1"/>
-          </a:fontRef>
-        </p:style>
-        <p:txBody>
-          <a:bodyPr rtlCol="0" anchor="ctr"/>
-          <a:lstStyle/>
-          <a:p>
-            <a:pPr algn="ctr"/>
-            <a:r>
-              <a:rPr lang="en-US" sz="1050" dirty="0">
-                <a:solidFill>
-                  <a:srgbClr val="7030A0"/>
-                </a:solidFill>
-              </a:rPr>
-              <a:t>&lt;&lt;interface&gt;&gt;</a:t>
-            </a:r>
-            <a:br>
-              <a:rPr lang="en-US" sz="1050" dirty="0">
-                <a:solidFill>
-                  <a:srgbClr val="7030A0"/>
-                </a:solidFill>
-              </a:rPr>
-            </a:br>
-            <a:r>
-              <a:rPr lang="en-US" sz="1050" dirty="0" err="1">
-                <a:solidFill>
-                  <a:srgbClr val="7030A0"/>
-                </a:solidFill>
-              </a:rPr>
-              <a:t>ReadOnlyAddressBook</a:t>
-            </a:r>
-            <a:endParaRPr lang="en-SG" sz="1050" dirty="0">
-              <a:solidFill>
-                <a:srgbClr val="7030A0"/>
-              </a:solidFill>
-            </a:endParaRPr>
-          </a:p>
-        </p:txBody>
-      </p:sp>
-      <p:sp>
-        <p:nvSpPr>
-          <p:cNvPr id="93" name="Rectangle 8"/>
-          <p:cNvSpPr/>
-          <p:nvPr/>
-        </p:nvSpPr>
-        <p:spPr>
-          <a:xfrm>
-            <a:off x="3087206" y="1998144"/>
-            <a:ext cx="1060683" cy="364396"/>
-          </a:xfrm>
-          <a:prstGeom prst="rect">
-            <a:avLst/>
-          </a:prstGeom>
-          <a:ln w="19050">
-            <a:solidFill>
-              <a:srgbClr val="7030A0"/>
-            </a:solidFill>
-          </a:ln>
-          <a:effectLst/>
-        </p:spPr>
-        <p:style>
-          <a:lnRef idx="1">
-            <a:schemeClr val="accent4"/>
-          </a:lnRef>
-          <a:fillRef idx="2">
-            <a:schemeClr val="accent4"/>
-          </a:fillRef>
-          <a:effectRef idx="1">
-            <a:schemeClr val="accent4"/>
-          </a:effectRef>
-          <a:fontRef idx="minor">
-            <a:schemeClr val="dk1"/>
-          </a:fontRef>
-        </p:style>
-        <p:txBody>
-          <a:bodyPr rtlCol="0" anchor="ctr"/>
-          <a:lstStyle/>
-          <a:p>
-            <a:pPr algn="ctr"/>
-            <a:r>
-              <a:rPr lang="en-US" sz="1050" dirty="0" err="1">
-                <a:solidFill>
-                  <a:srgbClr val="7030A0"/>
-                </a:solidFill>
-              </a:rPr>
-              <a:t>AddressBook</a:t>
-            </a:r>
-            <a:endParaRPr lang="en-SG" sz="1050" dirty="0">
-              <a:solidFill>
-                <a:srgbClr val="7030A0"/>
-              </a:solidFill>
-            </a:endParaRPr>
-          </a:p>
-        </p:txBody>
-      </p:sp>
-      <p:sp>
-        <p:nvSpPr>
-          <p:cNvPr id="94" name="Isosceles Triangle 102"/>
-          <p:cNvSpPr/>
-          <p:nvPr/>
-        </p:nvSpPr>
-        <p:spPr>
-          <a:xfrm rot="16200000">
-            <a:off x="2586098" y="2068952"/>
-            <a:ext cx="271014" cy="187417"/>
-          </a:xfrm>
-          <a:prstGeom prst="triangle">
-            <a:avLst>
-              <a:gd name="adj" fmla="val 44517"/>
-            </a:avLst>
-          </a:prstGeom>
-          <a:solidFill>
-            <a:schemeClr val="accent4">
-              <a:lumMod val="20000"/>
-              <a:lumOff val="80000"/>
-            </a:schemeClr>
-          </a:solidFill>
-          <a:ln w="19050">
-            <a:solidFill>
-              <a:srgbClr val="7030A0"/>
-            </a:solidFill>
-          </a:ln>
-          <a:effectLst/>
-        </p:spPr>
-        <p:style>
-          <a:lnRef idx="1">
-            <a:schemeClr val="accent6"/>
-          </a:lnRef>
-          <a:fillRef idx="2">
-            <a:schemeClr val="accent6"/>
-          </a:fillRef>
-          <a:effectRef idx="1">
-            <a:schemeClr val="accent6"/>
-          </a:effectRef>
-          <a:fontRef idx="minor">
-            <a:schemeClr val="dk1"/>
-          </a:fontRef>
-        </p:style>
-        <p:txBody>
-          <a:bodyPr rtlCol="0" anchor="ctr"/>
-          <a:lstStyle/>
-          <a:p>
-            <a:pPr algn="ctr"/>
-            <a:endParaRPr lang="en-SG" sz="1050"/>
-          </a:p>
-        </p:txBody>
-      </p:sp>
-      <p:cxnSp>
-        <p:nvCxnSpPr>
-          <p:cNvPr id="95" name="Elbow Connector 63"/>
-          <p:cNvCxnSpPr>
-            <a:stCxn id="94" idx="3"/>
-            <a:endCxn id="93" idx="1"/>
-          </p:cNvCxnSpPr>
-          <p:nvPr/>
-        </p:nvCxnSpPr>
-        <p:spPr>
-          <a:xfrm>
-            <a:off x="2815314" y="2177521"/>
-            <a:ext cx="271892" cy="2821"/>
-          </a:xfrm>
-          <a:prstGeom prst="bentConnector3">
-            <a:avLst>
-              <a:gd name="adj1" fmla="val 50000"/>
-            </a:avLst>
-          </a:prstGeom>
-          <a:ln w="19050">
-            <a:solidFill>
-              <a:srgbClr val="7030A0"/>
-            </a:solidFill>
-            <a:prstDash val="sysDot"/>
-            <a:headEnd type="none" w="med" len="med"/>
-            <a:tailEnd type="none" w="med" len="med"/>
           </a:ln>
           <a:effectLst/>
         </p:spPr>
